--- a/投影片/3.ado.net.pptx
+++ b/投影片/3.ado.net.pptx
@@ -105,6 +105,11 @@
       </a:defRPr>
     </a:lvl9pPr>
   </p:defaultTextStyle>
+  <p:extLst>
+    <p:ext uri="{EFAFB233-063F-42B5-8137-9DF3F51BA10A}">
+      <p15:sldGuideLst xmlns:p15="http://schemas.microsoft.com/office/powerpoint/2012/main"/>
+    </p:ext>
+  </p:extLst>
 </p:presentation>
 </file>
 
@@ -239,7 +244,7 @@
           <a:p>
             <a:fld id="{54A92A7A-7C2C-4C1E-95B8-9D43874A399C}" type="datetimeFigureOut">
               <a:rPr lang="zh-TW" altLang="en-US" smtClean="0"/>
-              <a:t>2022/1/26</a:t>
+              <a:t>2022/2/3</a:t>
             </a:fld>
             <a:endParaRPr lang="zh-TW" altLang="en-US"/>
           </a:p>
@@ -409,7 +414,7 @@
           <a:p>
             <a:fld id="{54A92A7A-7C2C-4C1E-95B8-9D43874A399C}" type="datetimeFigureOut">
               <a:rPr lang="zh-TW" altLang="en-US" smtClean="0"/>
-              <a:t>2022/1/26</a:t>
+              <a:t>2022/2/3</a:t>
             </a:fld>
             <a:endParaRPr lang="zh-TW" altLang="en-US"/>
           </a:p>
@@ -589,7 +594,7 @@
           <a:p>
             <a:fld id="{54A92A7A-7C2C-4C1E-95B8-9D43874A399C}" type="datetimeFigureOut">
               <a:rPr lang="zh-TW" altLang="en-US" smtClean="0"/>
-              <a:t>2022/1/26</a:t>
+              <a:t>2022/2/3</a:t>
             </a:fld>
             <a:endParaRPr lang="zh-TW" altLang="en-US"/>
           </a:p>
@@ -759,7 +764,7 @@
           <a:p>
             <a:fld id="{54A92A7A-7C2C-4C1E-95B8-9D43874A399C}" type="datetimeFigureOut">
               <a:rPr lang="zh-TW" altLang="en-US" smtClean="0"/>
-              <a:t>2022/1/26</a:t>
+              <a:t>2022/2/3</a:t>
             </a:fld>
             <a:endParaRPr lang="zh-TW" altLang="en-US"/>
           </a:p>
@@ -1005,7 +1010,7 @@
           <a:p>
             <a:fld id="{54A92A7A-7C2C-4C1E-95B8-9D43874A399C}" type="datetimeFigureOut">
               <a:rPr lang="zh-TW" altLang="en-US" smtClean="0"/>
-              <a:t>2022/1/26</a:t>
+              <a:t>2022/2/3</a:t>
             </a:fld>
             <a:endParaRPr lang="zh-TW" altLang="en-US"/>
           </a:p>
@@ -1237,7 +1242,7 @@
           <a:p>
             <a:fld id="{54A92A7A-7C2C-4C1E-95B8-9D43874A399C}" type="datetimeFigureOut">
               <a:rPr lang="zh-TW" altLang="en-US" smtClean="0"/>
-              <a:t>2022/1/26</a:t>
+              <a:t>2022/2/3</a:t>
             </a:fld>
             <a:endParaRPr lang="zh-TW" altLang="en-US"/>
           </a:p>
@@ -1604,7 +1609,7 @@
           <a:p>
             <a:fld id="{54A92A7A-7C2C-4C1E-95B8-9D43874A399C}" type="datetimeFigureOut">
               <a:rPr lang="zh-TW" altLang="en-US" smtClean="0"/>
-              <a:t>2022/1/26</a:t>
+              <a:t>2022/2/3</a:t>
             </a:fld>
             <a:endParaRPr lang="zh-TW" altLang="en-US"/>
           </a:p>
@@ -1722,7 +1727,7 @@
           <a:p>
             <a:fld id="{54A92A7A-7C2C-4C1E-95B8-9D43874A399C}" type="datetimeFigureOut">
               <a:rPr lang="zh-TW" altLang="en-US" smtClean="0"/>
-              <a:t>2022/1/26</a:t>
+              <a:t>2022/2/3</a:t>
             </a:fld>
             <a:endParaRPr lang="zh-TW" altLang="en-US"/>
           </a:p>
@@ -1817,7 +1822,7 @@
           <a:p>
             <a:fld id="{54A92A7A-7C2C-4C1E-95B8-9D43874A399C}" type="datetimeFigureOut">
               <a:rPr lang="zh-TW" altLang="en-US" smtClean="0"/>
-              <a:t>2022/1/26</a:t>
+              <a:t>2022/2/3</a:t>
             </a:fld>
             <a:endParaRPr lang="zh-TW" altLang="en-US"/>
           </a:p>
@@ -2094,7 +2099,7 @@
           <a:p>
             <a:fld id="{54A92A7A-7C2C-4C1E-95B8-9D43874A399C}" type="datetimeFigureOut">
               <a:rPr lang="zh-TW" altLang="en-US" smtClean="0"/>
-              <a:t>2022/1/26</a:t>
+              <a:t>2022/2/3</a:t>
             </a:fld>
             <a:endParaRPr lang="zh-TW" altLang="en-US"/>
           </a:p>
@@ -2347,7 +2352,7 @@
           <a:p>
             <a:fld id="{54A92A7A-7C2C-4C1E-95B8-9D43874A399C}" type="datetimeFigureOut">
               <a:rPr lang="zh-TW" altLang="en-US" smtClean="0"/>
-              <a:t>2022/1/26</a:t>
+              <a:t>2022/2/3</a:t>
             </a:fld>
             <a:endParaRPr lang="zh-TW" altLang="en-US"/>
           </a:p>
@@ -2560,7 +2565,7 @@
           <a:p>
             <a:fld id="{54A92A7A-7C2C-4C1E-95B8-9D43874A399C}" type="datetimeFigureOut">
               <a:rPr lang="zh-TW" altLang="en-US" smtClean="0"/>
-              <a:t>2022/1/26</a:t>
+              <a:t>2022/2/3</a:t>
             </a:fld>
             <a:endParaRPr lang="zh-TW" altLang="en-US"/>
           </a:p>
@@ -3063,75 +3068,180 @@
             <a:spLocks noGrp="1"/>
           </p:cNvSpPr>
           <p:nvPr>
-            <p:ph idx="1"/>
-          </p:nvPr>
-        </p:nvSpPr>
-        <p:spPr/>
-        <p:txBody>
-          <a:bodyPr/>
-          <a:lstStyle/>
+            <p:ph sz="half" idx="1"/>
+          </p:nvPr>
+        </p:nvSpPr>
+        <p:spPr/>
+        <p:txBody>
+          <a:bodyPr>
+            <a:normAutofit/>
+          </a:bodyPr>
+          <a:lstStyle/>
+          <a:p>
+            <a:r>
+              <a:rPr lang="zh-TW" altLang="en-US" dirty="0"/>
+              <a:t>四大</a:t>
+            </a:r>
+            <a:r>
+              <a:rPr lang="zh-TW" altLang="en-US" dirty="0" smtClean="0"/>
+              <a:t>步驟</a:t>
+            </a:r>
+            <a:endParaRPr lang="en-US" altLang="zh-TW" dirty="0" smtClean="0"/>
+          </a:p>
+          <a:p>
+            <a:pPr lvl="1"/>
+            <a:r>
+              <a:rPr lang="zh-TW" altLang="en-US" dirty="0" smtClean="0"/>
+              <a:t>連線、執行、處理資料、關閉資源</a:t>
+            </a:r>
+            <a:endParaRPr lang="en-US" altLang="zh-TW" dirty="0" smtClean="0"/>
+          </a:p>
           <a:p>
             <a:r>
               <a:rPr lang="en-US" altLang="zh-TW" dirty="0" err="1" smtClean="0"/>
-              <a:t>Sql</a:t>
+              <a:t>Datasource</a:t>
+            </a:r>
+            <a:r>
+              <a:rPr lang="zh-TW" altLang="en-US" dirty="0" smtClean="0"/>
+              <a:t> </a:t>
+            </a:r>
+            <a:r>
+              <a:rPr lang="en-US" altLang="zh-TW" dirty="0" smtClean="0"/>
+              <a:t>+</a:t>
+            </a:r>
+            <a:r>
+              <a:rPr lang="zh-TW" altLang="en-US" dirty="0" smtClean="0"/>
+              <a:t> </a:t>
             </a:r>
             <a:r>
               <a:rPr lang="en-US" altLang="zh-TW" dirty="0" err="1" smtClean="0"/>
-              <a:t>Connection</a:t>
+              <a:t>gridview</a:t>
+            </a:r>
+            <a:r>
+              <a:rPr lang="zh-TW" altLang="en-US" dirty="0" smtClean="0"/>
+              <a:t> </a:t>
+            </a:r>
+            <a:r>
+              <a:rPr lang="en-US" altLang="zh-TW" dirty="0" smtClean="0"/>
+              <a:t>|</a:t>
+            </a:r>
+            <a:r>
+              <a:rPr lang="zh-TW" altLang="en-US" dirty="0" smtClean="0"/>
+              <a:t> </a:t>
+            </a:r>
+            <a:r>
+              <a:rPr lang="en-US" altLang="zh-TW" dirty="0" err="1" smtClean="0"/>
+              <a:t>DetailView</a:t>
             </a:r>
             <a:endParaRPr lang="en-US" altLang="zh-TW" dirty="0" smtClean="0"/>
           </a:p>
           <a:p>
             <a:r>
+              <a:rPr lang="zh-TW" altLang="en-US" dirty="0"/>
+              <a:t>讀取</a:t>
+            </a:r>
+            <a:endParaRPr lang="en-US" altLang="zh-TW" dirty="0"/>
+          </a:p>
+          <a:p>
+            <a:r>
+              <a:rPr lang="zh-TW" altLang="en-US" dirty="0"/>
+              <a:t>新增</a:t>
+            </a:r>
+            <a:endParaRPr lang="en-US" altLang="zh-TW" dirty="0"/>
+          </a:p>
+          <a:p>
+            <a:r>
+              <a:rPr lang="zh-TW" altLang="en-US" dirty="0"/>
+              <a:t>修改</a:t>
+            </a:r>
+            <a:endParaRPr lang="en-US" altLang="zh-TW" dirty="0"/>
+          </a:p>
+          <a:p>
+            <a:r>
+              <a:rPr lang="zh-TW" altLang="en-US" dirty="0"/>
+              <a:t>刪除</a:t>
+            </a:r>
+            <a:endParaRPr lang="en-US" altLang="zh-TW" dirty="0"/>
+          </a:p>
+          <a:p>
+            <a:endParaRPr lang="en-US" altLang="zh-TW" dirty="0" smtClean="0"/>
+          </a:p>
+        </p:txBody>
+      </p:sp>
+      <p:sp>
+        <p:nvSpPr>
+          <p:cNvPr id="4" name="內容版面配置區 3"/>
+          <p:cNvSpPr>
+            <a:spLocks noGrp="1"/>
+          </p:cNvSpPr>
+          <p:nvPr>
+            <p:ph sz="half" idx="2"/>
+          </p:nvPr>
+        </p:nvSpPr>
+        <p:spPr/>
+        <p:txBody>
+          <a:bodyPr>
+            <a:normAutofit/>
+          </a:bodyPr>
+          <a:lstStyle/>
+          <a:p>
+            <a:r>
+              <a:rPr lang="en-US" altLang="zh-TW" dirty="0"/>
+              <a:t>Ado.net</a:t>
+            </a:r>
+          </a:p>
+          <a:p>
+            <a:pPr lvl="1"/>
+            <a:r>
+              <a:rPr lang="en-US" altLang="zh-TW" dirty="0" err="1"/>
+              <a:t>SqlConnection</a:t>
+            </a:r>
+            <a:endParaRPr lang="en-US" altLang="zh-TW" dirty="0"/>
+          </a:p>
+          <a:p>
+            <a:pPr lvl="1"/>
+            <a:r>
+              <a:rPr lang="en-US" altLang="zh-TW" dirty="0" err="1"/>
+              <a:t>Sqlcommand</a:t>
+            </a:r>
+            <a:endParaRPr lang="en-US" altLang="zh-TW" dirty="0"/>
+          </a:p>
+          <a:p>
+            <a:pPr lvl="1"/>
+            <a:r>
+              <a:rPr lang="en-US" altLang="zh-TW" dirty="0" err="1"/>
+              <a:t>D</a:t>
+            </a:r>
+            <a:r>
               <a:rPr lang="en-US" altLang="zh-TW" dirty="0" err="1" smtClean="0"/>
-              <a:t>Sql</a:t>
-            </a:r>
-            <a:r>
-              <a:rPr lang="en-US" altLang="zh-TW" dirty="0" err="1" smtClean="0"/>
-              <a:t>command</a:t>
-            </a:r>
-            <a:endParaRPr lang="en-US" altLang="zh-TW" dirty="0" smtClean="0"/>
-          </a:p>
-          <a:p>
-            <a:r>
-              <a:rPr lang="en-US" altLang="zh-TW" dirty="0" err="1" smtClean="0"/>
-              <a:t>datareader</a:t>
+              <a:t>atareader</a:t>
             </a:r>
             <a:endParaRPr lang="en-US" altLang="zh-TW" dirty="0"/>
           </a:p>
           <a:p>
+            <a:pPr lvl="1"/>
+            <a:r>
+              <a:rPr lang="en-US" altLang="zh-TW" dirty="0" err="1"/>
+              <a:t>Datatable</a:t>
+            </a:r>
+            <a:endParaRPr lang="en-US" altLang="zh-TW" dirty="0"/>
+          </a:p>
+          <a:p>
+            <a:pPr lvl="1"/>
+            <a:r>
+              <a:rPr lang="en-US" altLang="zh-TW" dirty="0"/>
+              <a:t>D</a:t>
+            </a:r>
             <a:r>
               <a:rPr lang="en-US" altLang="zh-TW" dirty="0" smtClean="0"/>
-              <a:t>dataset</a:t>
-            </a:r>
-          </a:p>
-          <a:p>
-            <a:r>
-              <a:rPr lang="en-US" altLang="zh-TW" dirty="0" err="1" smtClean="0"/>
-              <a:t>Datatable</a:t>
-            </a:r>
-            <a:endParaRPr lang="en-US" altLang="zh-TW" dirty="0" smtClean="0"/>
-          </a:p>
-          <a:p>
-            <a:r>
-              <a:rPr lang="en-US" altLang="zh-TW" dirty="0" err="1" smtClean="0"/>
-              <a:t>SqlTransaction</a:t>
-            </a:r>
-            <a:endParaRPr lang="en-US" altLang="zh-TW" dirty="0" smtClean="0"/>
-          </a:p>
-          <a:p>
-            <a:endParaRPr lang="en-US" altLang="zh-TW" dirty="0" smtClean="0">
-              <a:hlinkClick r:id="rId2"/>
-            </a:endParaRPr>
-          </a:p>
-          <a:p>
-            <a:r>
-              <a:rPr lang="zh-TW" altLang="en-US" dirty="0" smtClean="0"/>
-              <a:t>表格渲染</a:t>
-            </a:r>
-            <a:endParaRPr lang="en-US" altLang="zh-TW" dirty="0">
-              <a:hlinkClick r:id="rId2"/>
-            </a:endParaRPr>
+              <a:t>ataset</a:t>
+            </a:r>
+          </a:p>
+          <a:p>
+            <a:r>
+              <a:rPr lang="en-US" altLang="zh-TW" dirty="0"/>
+              <a:t>dapper</a:t>
+            </a:r>
           </a:p>
         </p:txBody>
       </p:sp>

--- a/投影片/3.ado.net.pptx
+++ b/投影片/3.ado.net.pptx
@@ -244,7 +244,7 @@
           <a:p>
             <a:fld id="{54A92A7A-7C2C-4C1E-95B8-9D43874A399C}" type="datetimeFigureOut">
               <a:rPr lang="zh-TW" altLang="en-US" smtClean="0"/>
-              <a:t>2022/2/3</a:t>
+              <a:t>2022/2/17</a:t>
             </a:fld>
             <a:endParaRPr lang="zh-TW" altLang="en-US"/>
           </a:p>
@@ -414,7 +414,7 @@
           <a:p>
             <a:fld id="{54A92A7A-7C2C-4C1E-95B8-9D43874A399C}" type="datetimeFigureOut">
               <a:rPr lang="zh-TW" altLang="en-US" smtClean="0"/>
-              <a:t>2022/2/3</a:t>
+              <a:t>2022/2/17</a:t>
             </a:fld>
             <a:endParaRPr lang="zh-TW" altLang="en-US"/>
           </a:p>
@@ -594,7 +594,7 @@
           <a:p>
             <a:fld id="{54A92A7A-7C2C-4C1E-95B8-9D43874A399C}" type="datetimeFigureOut">
               <a:rPr lang="zh-TW" altLang="en-US" smtClean="0"/>
-              <a:t>2022/2/3</a:t>
+              <a:t>2022/2/17</a:t>
             </a:fld>
             <a:endParaRPr lang="zh-TW" altLang="en-US"/>
           </a:p>
@@ -764,7 +764,7 @@
           <a:p>
             <a:fld id="{54A92A7A-7C2C-4C1E-95B8-9D43874A399C}" type="datetimeFigureOut">
               <a:rPr lang="zh-TW" altLang="en-US" smtClean="0"/>
-              <a:t>2022/2/3</a:t>
+              <a:t>2022/2/17</a:t>
             </a:fld>
             <a:endParaRPr lang="zh-TW" altLang="en-US"/>
           </a:p>
@@ -1010,7 +1010,7 @@
           <a:p>
             <a:fld id="{54A92A7A-7C2C-4C1E-95B8-9D43874A399C}" type="datetimeFigureOut">
               <a:rPr lang="zh-TW" altLang="en-US" smtClean="0"/>
-              <a:t>2022/2/3</a:t>
+              <a:t>2022/2/17</a:t>
             </a:fld>
             <a:endParaRPr lang="zh-TW" altLang="en-US"/>
           </a:p>
@@ -1242,7 +1242,7 @@
           <a:p>
             <a:fld id="{54A92A7A-7C2C-4C1E-95B8-9D43874A399C}" type="datetimeFigureOut">
               <a:rPr lang="zh-TW" altLang="en-US" smtClean="0"/>
-              <a:t>2022/2/3</a:t>
+              <a:t>2022/2/17</a:t>
             </a:fld>
             <a:endParaRPr lang="zh-TW" altLang="en-US"/>
           </a:p>
@@ -1609,7 +1609,7 @@
           <a:p>
             <a:fld id="{54A92A7A-7C2C-4C1E-95B8-9D43874A399C}" type="datetimeFigureOut">
               <a:rPr lang="zh-TW" altLang="en-US" smtClean="0"/>
-              <a:t>2022/2/3</a:t>
+              <a:t>2022/2/17</a:t>
             </a:fld>
             <a:endParaRPr lang="zh-TW" altLang="en-US"/>
           </a:p>
@@ -1727,7 +1727,7 @@
           <a:p>
             <a:fld id="{54A92A7A-7C2C-4C1E-95B8-9D43874A399C}" type="datetimeFigureOut">
               <a:rPr lang="zh-TW" altLang="en-US" smtClean="0"/>
-              <a:t>2022/2/3</a:t>
+              <a:t>2022/2/17</a:t>
             </a:fld>
             <a:endParaRPr lang="zh-TW" altLang="en-US"/>
           </a:p>
@@ -1822,7 +1822,7 @@
           <a:p>
             <a:fld id="{54A92A7A-7C2C-4C1E-95B8-9D43874A399C}" type="datetimeFigureOut">
               <a:rPr lang="zh-TW" altLang="en-US" smtClean="0"/>
-              <a:t>2022/2/3</a:t>
+              <a:t>2022/2/17</a:t>
             </a:fld>
             <a:endParaRPr lang="zh-TW" altLang="en-US"/>
           </a:p>
@@ -2099,7 +2099,7 @@
           <a:p>
             <a:fld id="{54A92A7A-7C2C-4C1E-95B8-9D43874A399C}" type="datetimeFigureOut">
               <a:rPr lang="zh-TW" altLang="en-US" smtClean="0"/>
-              <a:t>2022/2/3</a:t>
+              <a:t>2022/2/17</a:t>
             </a:fld>
             <a:endParaRPr lang="zh-TW" altLang="en-US"/>
           </a:p>
@@ -2352,7 +2352,7 @@
           <a:p>
             <a:fld id="{54A92A7A-7C2C-4C1E-95B8-9D43874A399C}" type="datetimeFigureOut">
               <a:rPr lang="zh-TW" altLang="en-US" smtClean="0"/>
-              <a:t>2022/2/3</a:t>
+              <a:t>2022/2/17</a:t>
             </a:fld>
             <a:endParaRPr lang="zh-TW" altLang="en-US"/>
           </a:p>
@@ -2565,7 +2565,7 @@
           <a:p>
             <a:fld id="{54A92A7A-7C2C-4C1E-95B8-9D43874A399C}" type="datetimeFigureOut">
               <a:rPr lang="zh-TW" altLang="en-US" smtClean="0"/>
-              <a:t>2022/2/3</a:t>
+              <a:t>2022/2/17</a:t>
             </a:fld>
             <a:endParaRPr lang="zh-TW" altLang="en-US"/>
           </a:p>
@@ -3079,12 +3079,8 @@
           <a:lstStyle/>
           <a:p>
             <a:r>
-              <a:rPr lang="zh-TW" altLang="en-US" dirty="0"/>
-              <a:t>四大</a:t>
-            </a:r>
-            <a:r>
               <a:rPr lang="zh-TW" altLang="en-US" dirty="0" smtClean="0"/>
-              <a:t>步驟</a:t>
+              <a:t>四大步驟</a:t>
             </a:r>
             <a:endParaRPr lang="en-US" altLang="zh-TW" dirty="0" smtClean="0"/>
           </a:p>
